--- a/2024 3D애니메이션2 기말 프로젝트 3주차 보고.pptx
+++ b/2024 3D애니메이션2 기말 프로젝트 3주차 보고.pptx
@@ -7680,7 +7680,7 @@
         </p:spPr>
         <p:txBody>
           <a:bodyPr vert="horz" lIns="91440" tIns="45720" rIns="91440" bIns="45720" rtlCol="0">
-            <a:normAutofit fontScale="92500"/>
+            <a:normAutofit/>
           </a:bodyPr>
           <a:lstStyle>
             <a:lvl1pPr marL="228600" indent="-228600" algn="l" defTabSz="914400" rtl="0" eaLnBrk="1" latinLnBrk="0" hangingPunct="1">
@@ -7934,33 +7934,16 @@
               <a:t>을 폐기해야 하는 점이 힘들었다</a:t>
             </a:r>
             <a:r>
-              <a:rPr lang="en-US" altLang="ko-KR" sz="2400" dirty="0">
+              <a:rPr lang="en-US" altLang="ko-KR" sz="2400">
                 <a:latin typeface="a견나루" panose="02020600000000000000" pitchFamily="18" charset="-127"/>
                 <a:ea typeface="a견나루" panose="02020600000000000000" pitchFamily="18" charset="-127"/>
               </a:rPr>
               <a:t>.</a:t>
             </a:r>
-          </a:p>
-          <a:p>
-            <a:pPr>
-              <a:lnSpc>
-                <a:spcPct val="150000"/>
-              </a:lnSpc>
-            </a:pPr>
-            <a:r>
-              <a:rPr lang="ko-KR" altLang="en-US" sz="2400" dirty="0">
-                <a:latin typeface="a견나루" panose="02020600000000000000" pitchFamily="18" charset="-127"/>
-                <a:ea typeface="a견나루" panose="02020600000000000000" pitchFamily="18" charset="-127"/>
-              </a:rPr>
-              <a:t>폴리곤이 겹치거나 접히지 않도록 리깅을 완벽하게 하는 것 보다 애니메이션에서 과격한 포즈를 잡지 않는 것이 실용적일 것 같다고 느꼈다</a:t>
-            </a:r>
-            <a:r>
-              <a:rPr lang="en-US" altLang="ko-KR" sz="2400" dirty="0">
-                <a:latin typeface="a견나루" panose="02020600000000000000" pitchFamily="18" charset="-127"/>
-                <a:ea typeface="a견나루" panose="02020600000000000000" pitchFamily="18" charset="-127"/>
-              </a:rPr>
-              <a:t>.</a:t>
-            </a:r>
+            <a:endParaRPr lang="en-US" altLang="ko-KR" sz="2400" dirty="0">
+              <a:latin typeface="a견나루" panose="02020600000000000000" pitchFamily="18" charset="-127"/>
+              <a:ea typeface="a견나루" panose="02020600000000000000" pitchFamily="18" charset="-127"/>
+            </a:endParaRPr>
           </a:p>
         </p:txBody>
       </p:sp>
@@ -8913,6 +8896,21 @@
 </file>
 
 <file path=customXml/item1.xml><?xml version="1.0" encoding="utf-8"?>
+<p:properties xmlns:p="http://schemas.microsoft.com/office/2006/metadata/properties" xmlns:xsi="http://www.w3.org/2001/XMLSchema-instance" xmlns:pc="http://schemas.microsoft.com/office/infopath/2007/PartnerControls">
+  <documentManagement/>
+</p:properties>
+</file>
+
+<file path=customXml/item2.xml><?xml version="1.0" encoding="utf-8"?>
+<?mso-contentType ?>
+<FormTemplates xmlns="http://schemas.microsoft.com/sharepoint/v3/contenttype/forms">
+  <Display>DocumentLibraryForm</Display>
+  <Edit>DocumentLibraryForm</Edit>
+  <New>DocumentLibraryForm</New>
+</FormTemplates>
+</file>
+
+<file path=customXml/item3.xml><?xml version="1.0" encoding="utf-8"?>
 <ct:contentTypeSchema xmlns:ct="http://schemas.microsoft.com/office/2006/metadata/contentType" xmlns:ma="http://schemas.microsoft.com/office/2006/metadata/properties/metaAttributes" ct:_="" ma:_="" ma:contentTypeName="문서" ma:contentTypeID="0x010100E05DA294FFD5784787D5AB72E0DED182" ma:contentTypeVersion="7" ma:contentTypeDescription="새 문서를 만듭니다." ma:contentTypeScope="" ma:versionID="c6996b50dacfaadafafb7b3731a7f6d4">
   <xsd:schema xmlns:xsd="http://www.w3.org/2001/XMLSchema" xmlns:xs="http://www.w3.org/2001/XMLSchema" xmlns:p="http://schemas.microsoft.com/office/2006/metadata/properties" xmlns:ns3="9355d4e4-c342-4770-8d34-c37815e2beaf" targetNamespace="http://schemas.microsoft.com/office/2006/metadata/properties" ma:root="true" ma:fieldsID="7a42233f253df8d18397cdc9caa8fd06" ns3:_="">
     <xsd:import namespace="9355d4e4-c342-4770-8d34-c37815e2beaf"/>
@@ -9076,22 +9074,31 @@
 </ct:contentTypeSchema>
 </file>
 
-<file path=customXml/item2.xml><?xml version="1.0" encoding="utf-8"?>
-<?mso-contentType ?>
-<FormTemplates xmlns="http://schemas.microsoft.com/sharepoint/v3/contenttype/forms">
-  <Display>DocumentLibraryForm</Display>
-  <Edit>DocumentLibraryForm</Edit>
-  <New>DocumentLibraryForm</New>
-</FormTemplates>
+<file path=customXml/itemProps1.xml><?xml version="1.0" encoding="utf-8"?>
+<ds:datastoreItem xmlns:ds="http://schemas.openxmlformats.org/officeDocument/2006/customXml" ds:itemID="{B50BEB85-6BA5-4649-9727-BE146A857DEF}">
+  <ds:schemaRefs>
+    <ds:schemaRef ds:uri="http://purl.org/dc/elements/1.1/"/>
+    <ds:schemaRef ds:uri="http://schemas.microsoft.com/office/infopath/2007/PartnerControls"/>
+    <ds:schemaRef ds:uri="http://purl.org/dc/dcmitype/"/>
+    <ds:schemaRef ds:uri="http://schemas.microsoft.com/office/2006/documentManagement/types"/>
+    <ds:schemaRef ds:uri="http://schemas.microsoft.com/office/2006/metadata/properties"/>
+    <ds:schemaRef ds:uri="http://purl.org/dc/terms/"/>
+    <ds:schemaRef ds:uri="http://schemas.openxmlformats.org/package/2006/metadata/core-properties"/>
+    <ds:schemaRef ds:uri="9355d4e4-c342-4770-8d34-c37815e2beaf"/>
+    <ds:schemaRef ds:uri="http://www.w3.org/XML/1998/namespace"/>
+  </ds:schemaRefs>
+</ds:datastoreItem>
 </file>
 
-<file path=customXml/item3.xml><?xml version="1.0" encoding="utf-8"?>
-<p:properties xmlns:p="http://schemas.microsoft.com/office/2006/metadata/properties" xmlns:xsi="http://www.w3.org/2001/XMLSchema-instance" xmlns:pc="http://schemas.microsoft.com/office/infopath/2007/PartnerControls">
-  <documentManagement/>
-</p:properties>
+<file path=customXml/itemProps2.xml><?xml version="1.0" encoding="utf-8"?>
+<ds:datastoreItem xmlns:ds="http://schemas.openxmlformats.org/officeDocument/2006/customXml" ds:itemID="{F400B283-F884-4DA2-987D-92FCDA28DC53}">
+  <ds:schemaRefs>
+    <ds:schemaRef ds:uri="http://schemas.microsoft.com/sharepoint/v3/contenttype/forms"/>
+  </ds:schemaRefs>
+</ds:datastoreItem>
 </file>
 
-<file path=customXml/itemProps1.xml><?xml version="1.0" encoding="utf-8"?>
+<file path=customXml/itemProps3.xml><?xml version="1.0" encoding="utf-8"?>
 <ds:datastoreItem xmlns:ds="http://schemas.openxmlformats.org/officeDocument/2006/customXml" ds:itemID="{32278486-02E3-497A-A637-AAC515A0D7D9}">
   <ds:schemaRefs>
     <ds:schemaRef ds:uri="http://schemas.microsoft.com/office/2006/metadata/contentType"/>
@@ -9107,28 +9114,4 @@
     <ds:schemaRef ds:uri="http://schemas.microsoft.com/internal/obd"/>
   </ds:schemaRefs>
 </ds:datastoreItem>
-</file>
-
-<file path=customXml/itemProps2.xml><?xml version="1.0" encoding="utf-8"?>
-<ds:datastoreItem xmlns:ds="http://schemas.openxmlformats.org/officeDocument/2006/customXml" ds:itemID="{F400B283-F884-4DA2-987D-92FCDA28DC53}">
-  <ds:schemaRefs>
-    <ds:schemaRef ds:uri="http://schemas.microsoft.com/sharepoint/v3/contenttype/forms"/>
-  </ds:schemaRefs>
-</ds:datastoreItem>
-</file>
-
-<file path=customXml/itemProps3.xml><?xml version="1.0" encoding="utf-8"?>
-<ds:datastoreItem xmlns:ds="http://schemas.openxmlformats.org/officeDocument/2006/customXml" ds:itemID="{B50BEB85-6BA5-4649-9727-BE146A857DEF}">
-  <ds:schemaRefs>
-    <ds:schemaRef ds:uri="http://purl.org/dc/elements/1.1/"/>
-    <ds:schemaRef ds:uri="http://schemas.microsoft.com/office/infopath/2007/PartnerControls"/>
-    <ds:schemaRef ds:uri="http://purl.org/dc/dcmitype/"/>
-    <ds:schemaRef ds:uri="http://schemas.microsoft.com/office/2006/documentManagement/types"/>
-    <ds:schemaRef ds:uri="http://schemas.microsoft.com/office/2006/metadata/properties"/>
-    <ds:schemaRef ds:uri="http://purl.org/dc/terms/"/>
-    <ds:schemaRef ds:uri="http://schemas.openxmlformats.org/package/2006/metadata/core-properties"/>
-    <ds:schemaRef ds:uri="9355d4e4-c342-4770-8d34-c37815e2beaf"/>
-    <ds:schemaRef ds:uri="http://www.w3.org/XML/1998/namespace"/>
-  </ds:schemaRefs>
-</ds:datastoreItem>
 </file>
--- a/2024 3D애니메이션2 기말 프로젝트 3주차 보고.pptx
+++ b/2024 3D애니메이션2 기말 프로젝트 3주차 보고.pptx
@@ -8227,7 +8227,7 @@
                 <a:latin typeface="a견나루" panose="02020600000000000000" pitchFamily="18" charset="-127"/>
                 <a:ea typeface="a견나루" panose="02020600000000000000" pitchFamily="18" charset="-127"/>
               </a:rPr>
-              <a:t>플레이어 텍스쳐 적용</a:t>
+              <a:t>캐릭터 텍스쳐 적용</a:t>
             </a:r>
             <a:endParaRPr lang="en-US" altLang="ko-KR" sz="2400" dirty="0">
               <a:latin typeface="a견나루" panose="02020600000000000000" pitchFamily="18" charset="-127"/>
@@ -8245,9 +8245,69 @@
                 <a:latin typeface="a견나루" panose="02020600000000000000" pitchFamily="18" charset="-127"/>
                 <a:ea typeface="a견나루" panose="02020600000000000000" pitchFamily="18" charset="-127"/>
               </a:rPr>
-              <a:t>플레이어 애니메이션 구현</a:t>
+              <a:t>캐릭터 애니메이션 구현</a:t>
             </a:r>
             <a:endParaRPr lang="en-US" altLang="ko-KR" sz="2400" dirty="0">
+              <a:latin typeface="a견나루" panose="02020600000000000000" pitchFamily="18" charset="-127"/>
+              <a:ea typeface="a견나루" panose="02020600000000000000" pitchFamily="18" charset="-127"/>
+            </a:endParaRPr>
+          </a:p>
+          <a:p>
+            <a:pPr lvl="1">
+              <a:lnSpc>
+                <a:spcPct val="150000"/>
+              </a:lnSpc>
+            </a:pPr>
+            <a:r>
+              <a:rPr lang="ko-KR" altLang="en-US" sz="2000" dirty="0">
+                <a:latin typeface="a견나루" panose="02020600000000000000" pitchFamily="18" charset="-127"/>
+                <a:ea typeface="a견나루" panose="02020600000000000000" pitchFamily="18" charset="-127"/>
+              </a:rPr>
+              <a:t>캐릭터가 버스 안에서 밖을 보는 자세</a:t>
+            </a:r>
+            <a:r>
+              <a:rPr lang="en-US" altLang="ko-KR" sz="2000" dirty="0">
+                <a:latin typeface="a견나루" panose="02020600000000000000" pitchFamily="18" charset="-127"/>
+                <a:ea typeface="a견나루" panose="02020600000000000000" pitchFamily="18" charset="-127"/>
+              </a:rPr>
+              <a:t>, </a:t>
+            </a:r>
+            <a:r>
+              <a:rPr lang="ko-KR" altLang="en-US" sz="2000" dirty="0">
+                <a:latin typeface="a견나루" panose="02020600000000000000" pitchFamily="18" charset="-127"/>
+                <a:ea typeface="a견나루" panose="02020600000000000000" pitchFamily="18" charset="-127"/>
+              </a:rPr>
+              <a:t>캐릭터가 </a:t>
+            </a:r>
+            <a:r>
+              <a:rPr lang="en-US" altLang="ko-KR" sz="2000" dirty="0">
+                <a:latin typeface="a견나루" panose="02020600000000000000" pitchFamily="18" charset="-127"/>
+                <a:ea typeface="a견나루" panose="02020600000000000000" pitchFamily="18" charset="-127"/>
+              </a:rPr>
+              <a:t>‘</a:t>
+            </a:r>
+            <a:r>
+              <a:rPr lang="ko-KR" altLang="en-US" sz="2000" dirty="0">
+                <a:latin typeface="a견나루" panose="02020600000000000000" pitchFamily="18" charset="-127"/>
+                <a:ea typeface="a견나루" panose="02020600000000000000" pitchFamily="18" charset="-127"/>
+              </a:rPr>
+              <a:t>비상구</a:t>
+            </a:r>
+            <a:r>
+              <a:rPr lang="en-US" altLang="ko-KR" sz="2000" dirty="0">
+                <a:latin typeface="a견나루" panose="02020600000000000000" pitchFamily="18" charset="-127"/>
+                <a:ea typeface="a견나루" panose="02020600000000000000" pitchFamily="18" charset="-127"/>
+              </a:rPr>
+              <a:t>’</a:t>
+            </a:r>
+            <a:r>
+              <a:rPr lang="ko-KR" altLang="en-US" sz="2000" dirty="0">
+                <a:latin typeface="a견나루" panose="02020600000000000000" pitchFamily="18" charset="-127"/>
+                <a:ea typeface="a견나루" panose="02020600000000000000" pitchFamily="18" charset="-127"/>
+              </a:rPr>
+              <a:t>로 걸어 들어가는 애니메이션</a:t>
+            </a:r>
+            <a:endParaRPr lang="en-US" altLang="ko-KR" sz="2000" dirty="0">
               <a:latin typeface="a견나루" panose="02020600000000000000" pitchFamily="18" charset="-127"/>
               <a:ea typeface="a견나루" panose="02020600000000000000" pitchFamily="18" charset="-127"/>
             </a:endParaRPr>
@@ -8896,21 +8956,6 @@
 </file>
 
 <file path=customXml/item1.xml><?xml version="1.0" encoding="utf-8"?>
-<p:properties xmlns:p="http://schemas.microsoft.com/office/2006/metadata/properties" xmlns:xsi="http://www.w3.org/2001/XMLSchema-instance" xmlns:pc="http://schemas.microsoft.com/office/infopath/2007/PartnerControls">
-  <documentManagement/>
-</p:properties>
-</file>
-
-<file path=customXml/item2.xml><?xml version="1.0" encoding="utf-8"?>
-<?mso-contentType ?>
-<FormTemplates xmlns="http://schemas.microsoft.com/sharepoint/v3/contenttype/forms">
-  <Display>DocumentLibraryForm</Display>
-  <Edit>DocumentLibraryForm</Edit>
-  <New>DocumentLibraryForm</New>
-</FormTemplates>
-</file>
-
-<file path=customXml/item3.xml><?xml version="1.0" encoding="utf-8"?>
 <ct:contentTypeSchema xmlns:ct="http://schemas.microsoft.com/office/2006/metadata/contentType" xmlns:ma="http://schemas.microsoft.com/office/2006/metadata/properties/metaAttributes" ct:_="" ma:_="" ma:contentTypeName="문서" ma:contentTypeID="0x010100E05DA294FFD5784787D5AB72E0DED182" ma:contentTypeVersion="7" ma:contentTypeDescription="새 문서를 만듭니다." ma:contentTypeScope="" ma:versionID="c6996b50dacfaadafafb7b3731a7f6d4">
   <xsd:schema xmlns:xsd="http://www.w3.org/2001/XMLSchema" xmlns:xs="http://www.w3.org/2001/XMLSchema" xmlns:p="http://schemas.microsoft.com/office/2006/metadata/properties" xmlns:ns3="9355d4e4-c342-4770-8d34-c37815e2beaf" targetNamespace="http://schemas.microsoft.com/office/2006/metadata/properties" ma:root="true" ma:fieldsID="7a42233f253df8d18397cdc9caa8fd06" ns3:_="">
     <xsd:import namespace="9355d4e4-c342-4770-8d34-c37815e2beaf"/>
@@ -9074,31 +9119,22 @@
 </ct:contentTypeSchema>
 </file>
 
-<file path=customXml/itemProps1.xml><?xml version="1.0" encoding="utf-8"?>
-<ds:datastoreItem xmlns:ds="http://schemas.openxmlformats.org/officeDocument/2006/customXml" ds:itemID="{B50BEB85-6BA5-4649-9727-BE146A857DEF}">
-  <ds:schemaRefs>
-    <ds:schemaRef ds:uri="http://purl.org/dc/elements/1.1/"/>
-    <ds:schemaRef ds:uri="http://schemas.microsoft.com/office/infopath/2007/PartnerControls"/>
-    <ds:schemaRef ds:uri="http://purl.org/dc/dcmitype/"/>
-    <ds:schemaRef ds:uri="http://schemas.microsoft.com/office/2006/documentManagement/types"/>
-    <ds:schemaRef ds:uri="http://schemas.microsoft.com/office/2006/metadata/properties"/>
-    <ds:schemaRef ds:uri="http://purl.org/dc/terms/"/>
-    <ds:schemaRef ds:uri="http://schemas.openxmlformats.org/package/2006/metadata/core-properties"/>
-    <ds:schemaRef ds:uri="9355d4e4-c342-4770-8d34-c37815e2beaf"/>
-    <ds:schemaRef ds:uri="http://www.w3.org/XML/1998/namespace"/>
-  </ds:schemaRefs>
-</ds:datastoreItem>
+<file path=customXml/item2.xml><?xml version="1.0" encoding="utf-8"?>
+<?mso-contentType ?>
+<FormTemplates xmlns="http://schemas.microsoft.com/sharepoint/v3/contenttype/forms">
+  <Display>DocumentLibraryForm</Display>
+  <Edit>DocumentLibraryForm</Edit>
+  <New>DocumentLibraryForm</New>
+</FormTemplates>
 </file>
 
-<file path=customXml/itemProps2.xml><?xml version="1.0" encoding="utf-8"?>
-<ds:datastoreItem xmlns:ds="http://schemas.openxmlformats.org/officeDocument/2006/customXml" ds:itemID="{F400B283-F884-4DA2-987D-92FCDA28DC53}">
-  <ds:schemaRefs>
-    <ds:schemaRef ds:uri="http://schemas.microsoft.com/sharepoint/v3/contenttype/forms"/>
-  </ds:schemaRefs>
-</ds:datastoreItem>
+<file path=customXml/item3.xml><?xml version="1.0" encoding="utf-8"?>
+<p:properties xmlns:p="http://schemas.microsoft.com/office/2006/metadata/properties" xmlns:xsi="http://www.w3.org/2001/XMLSchema-instance" xmlns:pc="http://schemas.microsoft.com/office/infopath/2007/PartnerControls">
+  <documentManagement/>
+</p:properties>
 </file>
 
-<file path=customXml/itemProps3.xml><?xml version="1.0" encoding="utf-8"?>
+<file path=customXml/itemProps1.xml><?xml version="1.0" encoding="utf-8"?>
 <ds:datastoreItem xmlns:ds="http://schemas.openxmlformats.org/officeDocument/2006/customXml" ds:itemID="{32278486-02E3-497A-A637-AAC515A0D7D9}">
   <ds:schemaRefs>
     <ds:schemaRef ds:uri="http://schemas.microsoft.com/office/2006/metadata/contentType"/>
@@ -9114,4 +9150,28 @@
     <ds:schemaRef ds:uri="http://schemas.microsoft.com/internal/obd"/>
   </ds:schemaRefs>
 </ds:datastoreItem>
+</file>
+
+<file path=customXml/itemProps2.xml><?xml version="1.0" encoding="utf-8"?>
+<ds:datastoreItem xmlns:ds="http://schemas.openxmlformats.org/officeDocument/2006/customXml" ds:itemID="{F400B283-F884-4DA2-987D-92FCDA28DC53}">
+  <ds:schemaRefs>
+    <ds:schemaRef ds:uri="http://schemas.microsoft.com/sharepoint/v3/contenttype/forms"/>
+  </ds:schemaRefs>
+</ds:datastoreItem>
+</file>
+
+<file path=customXml/itemProps3.xml><?xml version="1.0" encoding="utf-8"?>
+<ds:datastoreItem xmlns:ds="http://schemas.openxmlformats.org/officeDocument/2006/customXml" ds:itemID="{B50BEB85-6BA5-4649-9727-BE146A857DEF}">
+  <ds:schemaRefs>
+    <ds:schemaRef ds:uri="http://purl.org/dc/elements/1.1/"/>
+    <ds:schemaRef ds:uri="http://schemas.microsoft.com/office/infopath/2007/PartnerControls"/>
+    <ds:schemaRef ds:uri="http://purl.org/dc/dcmitype/"/>
+    <ds:schemaRef ds:uri="http://schemas.microsoft.com/office/2006/documentManagement/types"/>
+    <ds:schemaRef ds:uri="http://schemas.microsoft.com/office/2006/metadata/properties"/>
+    <ds:schemaRef ds:uri="http://purl.org/dc/terms/"/>
+    <ds:schemaRef ds:uri="http://schemas.openxmlformats.org/package/2006/metadata/core-properties"/>
+    <ds:schemaRef ds:uri="9355d4e4-c342-4770-8d34-c37815e2beaf"/>
+    <ds:schemaRef ds:uri="http://www.w3.org/XML/1998/namespace"/>
+  </ds:schemaRefs>
+</ds:datastoreItem>
 </file>